--- a/LectureNotes/00_으뜸 머신러닝_강의자안내서.pptx
+++ b/LectureNotes/00_으뜸 머신러닝_강의자안내서.pptx
@@ -854,7 +854,7 @@
           <a:p>
             <a:fld id="{F368E31F-0FD1-4D97-8BA0-5192B5346760}" type="datetimeFigureOut">
               <a:rPr lang="ko-KR" altLang="en-US" smtClean="0"/>
-              <a:t>2021-07-14</a:t>
+              <a:t>2022-03-04</a:t>
             </a:fld>
             <a:endParaRPr lang="ko-KR" altLang="en-US"/>
           </a:p>
@@ -1052,7 +1052,7 @@
           <a:p>
             <a:fld id="{F368E31F-0FD1-4D97-8BA0-5192B5346760}" type="datetimeFigureOut">
               <a:rPr lang="ko-KR" altLang="en-US" smtClean="0"/>
-              <a:t>2021-07-14</a:t>
+              <a:t>2022-03-04</a:t>
             </a:fld>
             <a:endParaRPr lang="ko-KR" altLang="en-US"/>
           </a:p>
@@ -1260,7 +1260,7 @@
           <a:p>
             <a:fld id="{F368E31F-0FD1-4D97-8BA0-5192B5346760}" type="datetimeFigureOut">
               <a:rPr lang="ko-KR" altLang="en-US" smtClean="0"/>
-              <a:t>2021-07-14</a:t>
+              <a:t>2022-03-04</a:t>
             </a:fld>
             <a:endParaRPr lang="ko-KR" altLang="en-US"/>
           </a:p>
@@ -1366,13 +1366,24 @@
             <p:ph type="title"/>
           </p:nvPr>
         </p:nvSpPr>
-        <p:spPr/>
-        <p:txBody>
-          <a:bodyPr/>
-          <a:lstStyle/>
-          <a:p>
-            <a:r>
-              <a:rPr lang="ko-KR" altLang="en-US"/>
+        <p:spPr>
+          <a:xfrm>
+            <a:off x="838200" y="365125"/>
+            <a:ext cx="10515600" cy="730145"/>
+          </a:xfrm>
+        </p:spPr>
+        <p:txBody>
+          <a:bodyPr>
+            <a:normAutofit/>
+          </a:bodyPr>
+          <a:lstStyle>
+            <a:lvl1pPr>
+              <a:defRPr sz="4000"/>
+            </a:lvl1pPr>
+          </a:lstStyle>
+          <a:p>
+            <a:r>
+              <a:rPr lang="ko-KR" altLang="en-US" dirty="0"/>
               <a:t>마스터 제목 스타일 편집</a:t>
             </a:r>
           </a:p>
@@ -1394,10 +1405,33 @@
             <p:ph idx="1"/>
           </p:nvPr>
         </p:nvSpPr>
-        <p:spPr/>
-        <p:txBody>
-          <a:bodyPr/>
-          <a:lstStyle/>
+        <p:spPr>
+          <a:xfrm>
+            <a:off x="838200" y="1262917"/>
+            <a:ext cx="10515600" cy="4866578"/>
+          </a:xfrm>
+        </p:spPr>
+        <p:txBody>
+          <a:bodyPr>
+            <a:normAutofit/>
+          </a:bodyPr>
+          <a:lstStyle>
+            <a:lvl1pPr>
+              <a:defRPr sz="2400"/>
+            </a:lvl1pPr>
+            <a:lvl2pPr>
+              <a:defRPr sz="2000"/>
+            </a:lvl2pPr>
+            <a:lvl3pPr>
+              <a:defRPr sz="1800"/>
+            </a:lvl3pPr>
+            <a:lvl4pPr>
+              <a:defRPr sz="1600"/>
+            </a:lvl4pPr>
+            <a:lvl5pPr>
+              <a:defRPr sz="1600"/>
+            </a:lvl5pPr>
+          </a:lstStyle>
           <a:p>
             <a:pPr lvl="0"/>
             <a:r>
@@ -1458,7 +1492,7 @@
           <a:p>
             <a:fld id="{F368E31F-0FD1-4D97-8BA0-5192B5346760}" type="datetimeFigureOut">
               <a:rPr lang="ko-KR" altLang="en-US" smtClean="0"/>
-              <a:t>2021-07-14</a:t>
+              <a:t>2022-03-04</a:t>
             </a:fld>
             <a:endParaRPr lang="ko-KR" altLang="en-US"/>
           </a:p>
@@ -1733,7 +1767,7 @@
           <a:p>
             <a:fld id="{F368E31F-0FD1-4D97-8BA0-5192B5346760}" type="datetimeFigureOut">
               <a:rPr lang="ko-KR" altLang="en-US" smtClean="0"/>
-              <a:t>2021-07-14</a:t>
+              <a:t>2022-03-04</a:t>
             </a:fld>
             <a:endParaRPr lang="ko-KR" altLang="en-US"/>
           </a:p>
@@ -1998,7 +2032,7 @@
           <a:p>
             <a:fld id="{F368E31F-0FD1-4D97-8BA0-5192B5346760}" type="datetimeFigureOut">
               <a:rPr lang="ko-KR" altLang="en-US" smtClean="0"/>
-              <a:t>2021-07-14</a:t>
+              <a:t>2022-03-04</a:t>
             </a:fld>
             <a:endParaRPr lang="ko-KR" altLang="en-US"/>
           </a:p>
@@ -2410,7 +2444,7 @@
           <a:p>
             <a:fld id="{F368E31F-0FD1-4D97-8BA0-5192B5346760}" type="datetimeFigureOut">
               <a:rPr lang="ko-KR" altLang="en-US" smtClean="0"/>
-              <a:t>2021-07-14</a:t>
+              <a:t>2022-03-04</a:t>
             </a:fld>
             <a:endParaRPr lang="ko-KR" altLang="en-US"/>
           </a:p>
@@ -2551,7 +2585,7 @@
           <a:p>
             <a:fld id="{F368E31F-0FD1-4D97-8BA0-5192B5346760}" type="datetimeFigureOut">
               <a:rPr lang="ko-KR" altLang="en-US" smtClean="0"/>
-              <a:t>2021-07-14</a:t>
+              <a:t>2022-03-04</a:t>
             </a:fld>
             <a:endParaRPr lang="ko-KR" altLang="en-US"/>
           </a:p>
@@ -2664,7 +2698,7 @@
           <a:p>
             <a:fld id="{F368E31F-0FD1-4D97-8BA0-5192B5346760}" type="datetimeFigureOut">
               <a:rPr lang="ko-KR" altLang="en-US" smtClean="0"/>
-              <a:t>2021-07-14</a:t>
+              <a:t>2022-03-04</a:t>
             </a:fld>
             <a:endParaRPr lang="ko-KR" altLang="en-US"/>
           </a:p>
@@ -2975,7 +3009,7 @@
           <a:p>
             <a:fld id="{F368E31F-0FD1-4D97-8BA0-5192B5346760}" type="datetimeFigureOut">
               <a:rPr lang="ko-KR" altLang="en-US" smtClean="0"/>
-              <a:t>2021-07-14</a:t>
+              <a:t>2022-03-04</a:t>
             </a:fld>
             <a:endParaRPr lang="ko-KR" altLang="en-US"/>
           </a:p>
@@ -3263,7 +3297,7 @@
           <a:p>
             <a:fld id="{F368E31F-0FD1-4D97-8BA0-5192B5346760}" type="datetimeFigureOut">
               <a:rPr lang="ko-KR" altLang="en-US" smtClean="0"/>
-              <a:t>2021-07-14</a:t>
+              <a:t>2022-03-04</a:t>
             </a:fld>
             <a:endParaRPr lang="ko-KR" altLang="en-US"/>
           </a:p>
@@ -3498,13 +3532,16 @@
                     <a:tint val="75000"/>
                   </a:schemeClr>
                 </a:solidFill>
+                <a:latin typeface="KoPub돋움체 Bold" panose="00000800000000000000" pitchFamily="2" charset="-127"/>
+                <a:ea typeface="KoPub돋움체 Bold" panose="00000800000000000000" pitchFamily="2" charset="-127"/>
               </a:defRPr>
             </a:lvl1pPr>
           </a:lstStyle>
           <a:p>
             <a:fld id="{F368E31F-0FD1-4D97-8BA0-5192B5346760}" type="datetimeFigureOut">
               <a:rPr lang="ko-KR" altLang="en-US" smtClean="0"/>
-              <a:t>2021-07-14</a:t>
+              <a:pPr/>
+              <a:t>2022-03-04</a:t>
             </a:fld>
             <a:endParaRPr lang="ko-KR" altLang="en-US"/>
           </a:p>
@@ -3545,6 +3582,8 @@
                     <a:tint val="75000"/>
                   </a:schemeClr>
                 </a:solidFill>
+                <a:latin typeface="KoPub돋움체 Bold" panose="00000800000000000000" pitchFamily="2" charset="-127"/>
+                <a:ea typeface="KoPub돋움체 Bold" panose="00000800000000000000" pitchFamily="2" charset="-127"/>
               </a:defRPr>
             </a:lvl1pPr>
           </a:lstStyle>
@@ -3588,12 +3627,15 @@
                     <a:tint val="75000"/>
                   </a:schemeClr>
                 </a:solidFill>
+                <a:latin typeface="KoPub돋움체 Bold" panose="00000800000000000000" pitchFamily="2" charset="-127"/>
+                <a:ea typeface="KoPub돋움체 Bold" panose="00000800000000000000" pitchFamily="2" charset="-127"/>
               </a:defRPr>
             </a:lvl1pPr>
           </a:lstStyle>
           <a:p>
             <a:fld id="{0911FD6D-7580-4D2C-8327-0CC88F33BE26}" type="slidenum">
               <a:rPr lang="ko-KR" altLang="en-US" smtClean="0"/>
+              <a:pPr/>
               <a:t>‹#›</a:t>
             </a:fld>
             <a:endParaRPr lang="ko-KR" altLang="en-US"/>
@@ -3635,8 +3677,8 @@
           <a:solidFill>
             <a:schemeClr val="tx1"/>
           </a:solidFill>
-          <a:latin typeface="+mj-lt"/>
-          <a:ea typeface="+mj-ea"/>
+          <a:latin typeface="KoPub돋움체 Bold" panose="00000800000000000000" pitchFamily="2" charset="-127"/>
+          <a:ea typeface="KoPub돋움체 Bold" panose="00000800000000000000" pitchFamily="2" charset="-127"/>
           <a:cs typeface="+mj-cs"/>
         </a:defRPr>
       </a:lvl1pPr>
@@ -3655,8 +3697,8 @@
           <a:solidFill>
             <a:schemeClr val="tx1"/>
           </a:solidFill>
-          <a:latin typeface="+mn-lt"/>
-          <a:ea typeface="+mn-ea"/>
+          <a:latin typeface="KoPub돋움체 Bold" panose="00000800000000000000" pitchFamily="2" charset="-127"/>
+          <a:ea typeface="KoPub돋움체 Bold" panose="00000800000000000000" pitchFamily="2" charset="-127"/>
           <a:cs typeface="+mn-cs"/>
         </a:defRPr>
       </a:lvl1pPr>
@@ -3673,8 +3715,8 @@
           <a:solidFill>
             <a:schemeClr val="tx1"/>
           </a:solidFill>
-          <a:latin typeface="+mn-lt"/>
-          <a:ea typeface="+mn-ea"/>
+          <a:latin typeface="KoPub돋움체 Bold" panose="00000800000000000000" pitchFamily="2" charset="-127"/>
+          <a:ea typeface="KoPub돋움체 Bold" panose="00000800000000000000" pitchFamily="2" charset="-127"/>
           <a:cs typeface="+mn-cs"/>
         </a:defRPr>
       </a:lvl2pPr>
@@ -3691,8 +3733,8 @@
           <a:solidFill>
             <a:schemeClr val="tx1"/>
           </a:solidFill>
-          <a:latin typeface="+mn-lt"/>
-          <a:ea typeface="+mn-ea"/>
+          <a:latin typeface="KoPub돋움체 Bold" panose="00000800000000000000" pitchFamily="2" charset="-127"/>
+          <a:ea typeface="KoPub돋움체 Bold" panose="00000800000000000000" pitchFamily="2" charset="-127"/>
           <a:cs typeface="+mn-cs"/>
         </a:defRPr>
       </a:lvl3pPr>
@@ -3709,8 +3751,8 @@
           <a:solidFill>
             <a:schemeClr val="tx1"/>
           </a:solidFill>
-          <a:latin typeface="+mn-lt"/>
-          <a:ea typeface="+mn-ea"/>
+          <a:latin typeface="KoPub돋움체 Bold" panose="00000800000000000000" pitchFamily="2" charset="-127"/>
+          <a:ea typeface="KoPub돋움체 Bold" panose="00000800000000000000" pitchFamily="2" charset="-127"/>
           <a:cs typeface="+mn-cs"/>
         </a:defRPr>
       </a:lvl4pPr>
@@ -3727,8 +3769,8 @@
           <a:solidFill>
             <a:schemeClr val="tx1"/>
           </a:solidFill>
-          <a:latin typeface="+mn-lt"/>
-          <a:ea typeface="+mn-ea"/>
+          <a:latin typeface="KoPub돋움체 Bold" panose="00000800000000000000" pitchFamily="2" charset="-127"/>
+          <a:ea typeface="KoPub돋움체 Bold" panose="00000800000000000000" pitchFamily="2" charset="-127"/>
           <a:cs typeface="+mn-cs"/>
         </a:defRPr>
       </a:lvl5pPr>
@@ -3955,6 +3997,14 @@
               </a:rPr>
               <a:t>으뜸 머신러닝</a:t>
             </a:r>
+            <a:r>
+              <a:rPr lang="en-US" altLang="ko-KR">
+                <a:solidFill>
+                  <a:schemeClr val="accent5"/>
+                </a:solidFill>
+              </a:rPr>
+              <a:t/>
+            </a:r>
             <a:br>
               <a:rPr lang="en-US" altLang="ko-KR">
                 <a:solidFill>
@@ -3962,6 +4012,14 @@
                 </a:solidFill>
               </a:rPr>
             </a:br>
+            <a:r>
+              <a:rPr lang="en-US" altLang="ko-KR">
+                <a:solidFill>
+                  <a:schemeClr val="accent5"/>
+                </a:solidFill>
+              </a:rPr>
+              <a:t/>
+            </a:r>
             <a:br>
               <a:rPr lang="en-US" altLang="ko-KR">
                 <a:solidFill>
@@ -4770,7 +4828,7 @@
         </p:blipFill>
         <p:spPr>
           <a:xfrm>
-            <a:off x="1623176" y="1455343"/>
+            <a:off x="1753805" y="1095270"/>
             <a:ext cx="7705382" cy="5494935"/>
           </a:xfrm>
           <a:prstGeom prst="rect">
@@ -4866,7 +4924,7 @@
         </p:blipFill>
         <p:spPr>
           <a:xfrm>
-            <a:off x="1305111" y="1383173"/>
+            <a:off x="1415643" y="1239221"/>
             <a:ext cx="7343939" cy="1924765"/>
           </a:xfrm>
           <a:prstGeom prst="rect">
@@ -4895,8 +4953,8 @@
         </p:blipFill>
         <p:spPr>
           <a:xfrm>
-            <a:off x="1305111" y="3307938"/>
-            <a:ext cx="6991387" cy="3403255"/>
+            <a:off x="1415643" y="3136323"/>
+            <a:ext cx="7343939" cy="3574870"/>
           </a:xfrm>
           <a:prstGeom prst="rect">
             <a:avLst/>
@@ -5072,8 +5130,8 @@
         </p:nvSpPr>
         <p:spPr>
           <a:xfrm>
-            <a:off x="838200" y="1375794"/>
-            <a:ext cx="10515600" cy="4801169"/>
+            <a:off x="838199" y="1375794"/>
+            <a:ext cx="10848033" cy="4801169"/>
           </a:xfrm>
         </p:spPr>
         <p:txBody>
@@ -5081,22 +5139,22 @@
           <a:lstStyle/>
           <a:p>
             <a:r>
-              <a:rPr lang="ko-KR" altLang="en-US"/>
+              <a:rPr lang="ko-KR" altLang="en-US" dirty="0"/>
               <a:t>난이도가 상당히 높은 프로젝트로 </a:t>
             </a:r>
             <a:r>
-              <a:rPr lang="en-US" altLang="ko-KR"/>
+              <a:rPr lang="en-US" altLang="ko-KR" dirty="0"/>
               <a:t>2-4</a:t>
             </a:r>
             <a:r>
-              <a:rPr lang="ko-KR" altLang="en-US"/>
+              <a:rPr lang="ko-KR" altLang="en-US" dirty="0"/>
               <a:t>인의 학습자 팀으로 구현해 보는 것이 좋습니다</a:t>
             </a:r>
             <a:r>
-              <a:rPr lang="en-US" altLang="ko-KR"/>
+              <a:rPr lang="en-US" altLang="ko-KR" dirty="0"/>
               <a:t>.</a:t>
             </a:r>
-            <a:endParaRPr lang="ko-KR" altLang="en-US"/>
+            <a:endParaRPr lang="ko-KR" altLang="en-US" dirty="0"/>
           </a:p>
         </p:txBody>
       </p:sp>
@@ -5210,7 +5268,7 @@
         </p:blipFill>
         <p:spPr>
           <a:xfrm>
-            <a:off x="1731328" y="1308683"/>
+            <a:off x="2042827" y="1128224"/>
             <a:ext cx="7593037" cy="5549317"/>
           </a:xfrm>
           <a:prstGeom prst="rect">
@@ -5420,7 +5478,7 @@
         </p:nvSpPr>
         <p:spPr>
           <a:xfrm>
-            <a:off x="838200" y="365125"/>
+            <a:off x="858296" y="154110"/>
             <a:ext cx="10515600" cy="888205"/>
           </a:xfrm>
         </p:spPr>
@@ -5431,11 +5489,15 @@
           <a:lstStyle/>
           <a:p>
             <a:r>
-              <a:rPr lang="en-US" altLang="ko-KR" sz="3600"/>
-              <a:t>github </a:t>
-            </a:r>
-            <a:r>
-              <a:rPr lang="ko-KR" altLang="en-US" sz="3600"/>
+              <a:rPr lang="en-US" altLang="ko-KR" sz="3600" dirty="0" err="1"/>
+              <a:t>github</a:t>
+            </a:r>
+            <a:r>
+              <a:rPr lang="en-US" altLang="ko-KR" sz="3600" dirty="0"/>
+              <a:t> </a:t>
+            </a:r>
+            <a:r>
+              <a:rPr lang="ko-KR" altLang="en-US" sz="3600" dirty="0"/>
               <a:t>접속하여 자료와 파일 다운받기</a:t>
             </a:r>
           </a:p>
